--- a/Presentatie/Tetris Presentatie.pptx
+++ b/Presentatie/Tetris Presentatie.pptx
@@ -7546,6 +7546,54 @@
           </a:p>
         </p:txBody>
       </p:sp>
+      <p:sp>
+        <p:nvSpPr>
+          <p:cNvPr id="4" name="Rechthoek 3">
+            <a:extLst>
+              <a:ext uri="{FF2B5EF4-FFF2-40B4-BE49-F238E27FC236}">
+                <a16:creationId xmlns:a16="http://schemas.microsoft.com/office/drawing/2014/main" id="{50CF7A20-27CD-0E7B-E1F3-4539B3370197}"/>
+              </a:ext>
+            </a:extLst>
+          </p:cNvPr>
+          <p:cNvSpPr/>
+          <p:nvPr/>
+        </p:nvSpPr>
+        <p:spPr>
+          <a:xfrm>
+            <a:off x="17629311" y="9627980"/>
+            <a:ext cx="312906" cy="369332"/>
+          </a:xfrm>
+          <a:prstGeom prst="rect">
+            <a:avLst/>
+          </a:prstGeom>
+          <a:noFill/>
+        </p:spPr>
+        <p:txBody>
+          <a:bodyPr wrap="none" lIns="91440" tIns="45720" rIns="91440" bIns="45720">
+            <a:spAutoFit/>
+          </a:bodyPr>
+          <a:lstStyle/>
+          <a:p>
+            <a:pPr algn="ctr"/>
+            <a:r>
+              <a:rPr lang="nl-NL" sz="1800" b="0" cap="none" spc="0" dirty="0">
+                <a:ln w="0"/>
+                <a:solidFill>
+                  <a:schemeClr val="tx1"/>
+                </a:solidFill>
+                <a:effectLst>
+                  <a:outerShdw blurRad="38100" dist="19050" dir="2700000" algn="tl" rotWithShape="0">
+                    <a:schemeClr val="dk1">
+                      <a:alpha val="40000"/>
+                    </a:schemeClr>
+                  </a:outerShdw>
+                </a:effectLst>
+              </a:rPr>
+              <a:t>1</a:t>
+            </a:r>
+          </a:p>
+        </p:txBody>
+      </p:sp>
     </p:spTree>
   </p:cSld>
   <p:clrMapOvr>
@@ -8297,6 +8345,54 @@
           </a:effectLst>
         </p:spPr>
       </p:pic>
+      <p:sp>
+        <p:nvSpPr>
+          <p:cNvPr id="2" name="Rechthoek 1">
+            <a:extLst>
+              <a:ext uri="{FF2B5EF4-FFF2-40B4-BE49-F238E27FC236}">
+                <a16:creationId xmlns:a16="http://schemas.microsoft.com/office/drawing/2014/main" id="{25FAD0C3-B211-C2BD-6126-4A6B1089DC9F}"/>
+              </a:ext>
+            </a:extLst>
+          </p:cNvPr>
+          <p:cNvSpPr/>
+          <p:nvPr/>
+        </p:nvSpPr>
+        <p:spPr>
+          <a:xfrm>
+            <a:off x="17565191" y="9627980"/>
+            <a:ext cx="441147" cy="369332"/>
+          </a:xfrm>
+          <a:prstGeom prst="rect">
+            <a:avLst/>
+          </a:prstGeom>
+          <a:noFill/>
+        </p:spPr>
+        <p:txBody>
+          <a:bodyPr wrap="none" lIns="91440" tIns="45720" rIns="91440" bIns="45720">
+            <a:spAutoFit/>
+          </a:bodyPr>
+          <a:lstStyle/>
+          <a:p>
+            <a:pPr algn="ctr"/>
+            <a:r>
+              <a:rPr lang="nl-NL" sz="1800" b="0" cap="none" spc="0" dirty="0">
+                <a:ln w="0"/>
+                <a:solidFill>
+                  <a:schemeClr val="tx1"/>
+                </a:solidFill>
+                <a:effectLst>
+                  <a:outerShdw blurRad="38100" dist="19050" dir="2700000" algn="tl" rotWithShape="0">
+                    <a:schemeClr val="dk1">
+                      <a:alpha val="40000"/>
+                    </a:schemeClr>
+                  </a:outerShdw>
+                </a:effectLst>
+              </a:rPr>
+              <a:t>10</a:t>
+            </a:r>
+          </a:p>
+        </p:txBody>
+      </p:sp>
     </p:spTree>
   </p:cSld>
   <p:clrMapOvr>
@@ -9609,6 +9705,54 @@
           </a:extLst>
         </p:spPr>
       </p:pic>
+      <p:sp>
+        <p:nvSpPr>
+          <p:cNvPr id="2" name="Rechthoek 1">
+            <a:extLst>
+              <a:ext uri="{FF2B5EF4-FFF2-40B4-BE49-F238E27FC236}">
+                <a16:creationId xmlns:a16="http://schemas.microsoft.com/office/drawing/2014/main" id="{BFBF6B52-2698-B32B-432C-7F2F673781E1}"/>
+              </a:ext>
+            </a:extLst>
+          </p:cNvPr>
+          <p:cNvSpPr/>
+          <p:nvPr/>
+        </p:nvSpPr>
+        <p:spPr>
+          <a:xfrm>
+            <a:off x="17565191" y="9627980"/>
+            <a:ext cx="441147" cy="369332"/>
+          </a:xfrm>
+          <a:prstGeom prst="rect">
+            <a:avLst/>
+          </a:prstGeom>
+          <a:noFill/>
+        </p:spPr>
+        <p:txBody>
+          <a:bodyPr wrap="none" lIns="91440" tIns="45720" rIns="91440" bIns="45720">
+            <a:spAutoFit/>
+          </a:bodyPr>
+          <a:lstStyle/>
+          <a:p>
+            <a:pPr algn="ctr"/>
+            <a:r>
+              <a:rPr lang="nl-NL" sz="1800" b="0" cap="none" spc="0" dirty="0">
+                <a:ln w="0"/>
+                <a:solidFill>
+                  <a:schemeClr val="tx1"/>
+                </a:solidFill>
+                <a:effectLst>
+                  <a:outerShdw blurRad="38100" dist="19050" dir="2700000" algn="tl" rotWithShape="0">
+                    <a:schemeClr val="dk1">
+                      <a:alpha val="40000"/>
+                    </a:schemeClr>
+                  </a:outerShdw>
+                </a:effectLst>
+              </a:rPr>
+              <a:t>11</a:t>
+            </a:r>
+          </a:p>
+        </p:txBody>
+      </p:sp>
     </p:spTree>
   </p:cSld>
   <p:clrMapOvr>
@@ -11123,6 +11267,54 @@
           </a:effectLst>
         </p:spPr>
       </p:pic>
+      <p:sp>
+        <p:nvSpPr>
+          <p:cNvPr id="2" name="Rechthoek 1">
+            <a:extLst>
+              <a:ext uri="{FF2B5EF4-FFF2-40B4-BE49-F238E27FC236}">
+                <a16:creationId xmlns:a16="http://schemas.microsoft.com/office/drawing/2014/main" id="{9A0BA00C-2E39-80CD-E646-5F4FCFA68F2E}"/>
+              </a:ext>
+            </a:extLst>
+          </p:cNvPr>
+          <p:cNvSpPr/>
+          <p:nvPr/>
+        </p:nvSpPr>
+        <p:spPr>
+          <a:xfrm>
+            <a:off x="17565191" y="9627980"/>
+            <a:ext cx="441147" cy="369332"/>
+          </a:xfrm>
+          <a:prstGeom prst="rect">
+            <a:avLst/>
+          </a:prstGeom>
+          <a:noFill/>
+        </p:spPr>
+        <p:txBody>
+          <a:bodyPr wrap="none" lIns="91440" tIns="45720" rIns="91440" bIns="45720">
+            <a:spAutoFit/>
+          </a:bodyPr>
+          <a:lstStyle/>
+          <a:p>
+            <a:pPr algn="ctr"/>
+            <a:r>
+              <a:rPr lang="nl-NL" sz="1800" b="0" cap="none" spc="0" dirty="0">
+                <a:ln w="0"/>
+                <a:solidFill>
+                  <a:schemeClr val="tx1"/>
+                </a:solidFill>
+                <a:effectLst>
+                  <a:outerShdw blurRad="38100" dist="19050" dir="2700000" algn="tl" rotWithShape="0">
+                    <a:schemeClr val="dk1">
+                      <a:alpha val="40000"/>
+                    </a:schemeClr>
+                  </a:outerShdw>
+                </a:effectLst>
+              </a:rPr>
+              <a:t>12</a:t>
+            </a:r>
+          </a:p>
+        </p:txBody>
+      </p:sp>
     </p:spTree>
   </p:cSld>
   <p:clrMapOvr>
@@ -12547,6 +12739,54 @@
           </p:txBody>
         </p:sp>
       </p:grpSp>
+      <p:sp>
+        <p:nvSpPr>
+          <p:cNvPr id="2" name="Rechthoek 1">
+            <a:extLst>
+              <a:ext uri="{FF2B5EF4-FFF2-40B4-BE49-F238E27FC236}">
+                <a16:creationId xmlns:a16="http://schemas.microsoft.com/office/drawing/2014/main" id="{799212FA-31BE-B7D6-6601-0B3D0F0E8385}"/>
+              </a:ext>
+            </a:extLst>
+          </p:cNvPr>
+          <p:cNvSpPr/>
+          <p:nvPr/>
+        </p:nvSpPr>
+        <p:spPr>
+          <a:xfrm>
+            <a:off x="17565191" y="9627980"/>
+            <a:ext cx="441147" cy="369332"/>
+          </a:xfrm>
+          <a:prstGeom prst="rect">
+            <a:avLst/>
+          </a:prstGeom>
+          <a:noFill/>
+        </p:spPr>
+        <p:txBody>
+          <a:bodyPr wrap="none" lIns="91440" tIns="45720" rIns="91440" bIns="45720">
+            <a:spAutoFit/>
+          </a:bodyPr>
+          <a:lstStyle/>
+          <a:p>
+            <a:pPr algn="ctr"/>
+            <a:r>
+              <a:rPr lang="nl-NL" sz="1800" b="0" cap="none" spc="0" dirty="0">
+                <a:ln w="0"/>
+                <a:solidFill>
+                  <a:schemeClr val="tx1"/>
+                </a:solidFill>
+                <a:effectLst>
+                  <a:outerShdw blurRad="38100" dist="19050" dir="2700000" algn="tl" rotWithShape="0">
+                    <a:schemeClr val="dk1">
+                      <a:alpha val="40000"/>
+                    </a:schemeClr>
+                  </a:outerShdw>
+                </a:effectLst>
+              </a:rPr>
+              <a:t>13</a:t>
+            </a:r>
+          </a:p>
+        </p:txBody>
+      </p:sp>
     </p:spTree>
   </p:cSld>
   <p:clrMapOvr>
@@ -14135,6 +14375,54 @@
           </a:extLst>
         </p:spPr>
       </p:pic>
+      <p:sp>
+        <p:nvSpPr>
+          <p:cNvPr id="2" name="Rechthoek 1">
+            <a:extLst>
+              <a:ext uri="{FF2B5EF4-FFF2-40B4-BE49-F238E27FC236}">
+                <a16:creationId xmlns:a16="http://schemas.microsoft.com/office/drawing/2014/main" id="{B60FE28B-19E5-F3EA-436C-8ABD629B6AFE}"/>
+              </a:ext>
+            </a:extLst>
+          </p:cNvPr>
+          <p:cNvSpPr/>
+          <p:nvPr/>
+        </p:nvSpPr>
+        <p:spPr>
+          <a:xfrm>
+            <a:off x="17565191" y="9627980"/>
+            <a:ext cx="441147" cy="369332"/>
+          </a:xfrm>
+          <a:prstGeom prst="rect">
+            <a:avLst/>
+          </a:prstGeom>
+          <a:noFill/>
+        </p:spPr>
+        <p:txBody>
+          <a:bodyPr wrap="none" lIns="91440" tIns="45720" rIns="91440" bIns="45720">
+            <a:spAutoFit/>
+          </a:bodyPr>
+          <a:lstStyle/>
+          <a:p>
+            <a:pPr algn="ctr"/>
+            <a:r>
+              <a:rPr lang="nl-NL" sz="1800" b="0" cap="none" spc="0" dirty="0">
+                <a:ln w="0"/>
+                <a:solidFill>
+                  <a:schemeClr val="tx1"/>
+                </a:solidFill>
+                <a:effectLst>
+                  <a:outerShdw blurRad="38100" dist="19050" dir="2700000" algn="tl" rotWithShape="0">
+                    <a:schemeClr val="dk1">
+                      <a:alpha val="40000"/>
+                    </a:schemeClr>
+                  </a:outerShdw>
+                </a:effectLst>
+              </a:rPr>
+              <a:t>14</a:t>
+            </a:r>
+          </a:p>
+        </p:txBody>
+      </p:sp>
     </p:spTree>
     <p:extLst>
       <p:ext uri="{BB962C8B-B14F-4D97-AF65-F5344CB8AC3E}">
@@ -14240,6 +14528,67 @@
           </a:sp3d>
         </p:spPr>
       </p:pic>
+      <p:sp>
+        <p:nvSpPr>
+          <p:cNvPr id="3" name="Rechthoek 2">
+            <a:extLst>
+              <a:ext uri="{FF2B5EF4-FFF2-40B4-BE49-F238E27FC236}">
+                <a16:creationId xmlns:a16="http://schemas.microsoft.com/office/drawing/2014/main" id="{86749B6C-4ACD-8A39-0509-94E1142D7EA2}"/>
+              </a:ext>
+            </a:extLst>
+          </p:cNvPr>
+          <p:cNvSpPr/>
+          <p:nvPr/>
+        </p:nvSpPr>
+        <p:spPr>
+          <a:xfrm>
+            <a:off x="17565191" y="9627980"/>
+            <a:ext cx="441147" cy="369332"/>
+          </a:xfrm>
+          <a:prstGeom prst="rect">
+            <a:avLst/>
+          </a:prstGeom>
+          <a:noFill/>
+        </p:spPr>
+        <p:txBody>
+          <a:bodyPr wrap="none" lIns="91440" tIns="45720" rIns="91440" bIns="45720">
+            <a:spAutoFit/>
+          </a:bodyPr>
+          <a:lstStyle/>
+          <a:p>
+            <a:pPr algn="ctr"/>
+            <a:r>
+              <a:rPr lang="nl-NL" sz="1800" b="0" cap="none" spc="0">
+                <a:ln w="0"/>
+                <a:solidFill>
+                  <a:schemeClr val="tx1"/>
+                </a:solidFill>
+                <a:effectLst>
+                  <a:outerShdw blurRad="38100" dist="19050" dir="2700000" algn="tl" rotWithShape="0">
+                    <a:schemeClr val="dk1">
+                      <a:alpha val="40000"/>
+                    </a:schemeClr>
+                  </a:outerShdw>
+                </a:effectLst>
+              </a:rPr>
+              <a:t>15</a:t>
+            </a:r>
+            <a:endParaRPr lang="nl-NL" sz="1800" b="0" cap="none" spc="0" dirty="0">
+              <a:ln w="0"/>
+              <a:solidFill>
+                <a:schemeClr val="tx1"/>
+              </a:solidFill>
+              <a:effectLst>
+                <a:outerShdw blurRad="38100" dist="19050" dir="2700000" algn="tl" rotWithShape="0">
+                  <a:schemeClr val="dk1">
+                    <a:alpha val="40000"/>
+                  </a:schemeClr>
+                </a:outerShdw>
+              </a:effectLst>
+            </a:endParaRPr>
+          </a:p>
+        </p:txBody>
+      </p:sp>
     </p:spTree>
   </p:cSld>
   <p:clrMapOvr>
@@ -15864,6 +16213,67 @@
           </a:p>
         </p:txBody>
       </p:sp>
+      <p:sp>
+        <p:nvSpPr>
+          <p:cNvPr id="3" name="Rechthoek 2">
+            <a:extLst>
+              <a:ext uri="{FF2B5EF4-FFF2-40B4-BE49-F238E27FC236}">
+                <a16:creationId xmlns:a16="http://schemas.microsoft.com/office/drawing/2014/main" id="{AB5A3A64-00F0-8B1E-38A5-2F2FBBBC014B}"/>
+              </a:ext>
+            </a:extLst>
+          </p:cNvPr>
+          <p:cNvSpPr/>
+          <p:nvPr/>
+        </p:nvSpPr>
+        <p:spPr>
+          <a:xfrm>
+            <a:off x="17629310" y="9627980"/>
+            <a:ext cx="312907" cy="369332"/>
+          </a:xfrm>
+          <a:prstGeom prst="rect">
+            <a:avLst/>
+          </a:prstGeom>
+          <a:noFill/>
+        </p:spPr>
+        <p:txBody>
+          <a:bodyPr wrap="none" lIns="91440" tIns="45720" rIns="91440" bIns="45720">
+            <a:spAutoFit/>
+          </a:bodyPr>
+          <a:lstStyle/>
+          <a:p>
+            <a:pPr algn="ctr"/>
+            <a:r>
+              <a:rPr lang="nl-NL" sz="1800" dirty="0">
+                <a:ln w="0"/>
+                <a:solidFill>
+                  <a:schemeClr val="tx1"/>
+                </a:solidFill>
+                <a:effectLst>
+                  <a:outerShdw blurRad="38100" dist="19050" dir="2700000" algn="tl" rotWithShape="0">
+                    <a:schemeClr val="dk1">
+                      <a:alpha val="40000"/>
+                    </a:schemeClr>
+                  </a:outerShdw>
+                </a:effectLst>
+              </a:rPr>
+              <a:t>2</a:t>
+            </a:r>
+            <a:endParaRPr lang="nl-NL" sz="1800" b="0" cap="none" spc="0" dirty="0">
+              <a:ln w="0"/>
+              <a:solidFill>
+                <a:schemeClr val="tx1"/>
+              </a:solidFill>
+              <a:effectLst>
+                <a:outerShdw blurRad="38100" dist="19050" dir="2700000" algn="tl" rotWithShape="0">
+                  <a:schemeClr val="dk1">
+                    <a:alpha val="40000"/>
+                  </a:schemeClr>
+                </a:outerShdw>
+              </a:effectLst>
+            </a:endParaRPr>
+          </a:p>
+        </p:txBody>
+      </p:sp>
     </p:spTree>
   </p:cSld>
   <p:clrMapOvr>
@@ -17831,6 +18241,67 @@
               <a:buNone/>
             </a:pPr>
             <a:endParaRPr dirty="0"/>
+          </a:p>
+        </p:txBody>
+      </p:sp>
+      <p:sp>
+        <p:nvSpPr>
+          <p:cNvPr id="2" name="Rechthoek 1">
+            <a:extLst>
+              <a:ext uri="{FF2B5EF4-FFF2-40B4-BE49-F238E27FC236}">
+                <a16:creationId xmlns:a16="http://schemas.microsoft.com/office/drawing/2014/main" id="{9B05B7DD-4D95-9E71-7C1E-EBD5EF1B05FB}"/>
+              </a:ext>
+            </a:extLst>
+          </p:cNvPr>
+          <p:cNvSpPr/>
+          <p:nvPr/>
+        </p:nvSpPr>
+        <p:spPr>
+          <a:xfrm>
+            <a:off x="17629310" y="9627980"/>
+            <a:ext cx="312907" cy="369332"/>
+          </a:xfrm>
+          <a:prstGeom prst="rect">
+            <a:avLst/>
+          </a:prstGeom>
+          <a:noFill/>
+        </p:spPr>
+        <p:txBody>
+          <a:bodyPr wrap="none" lIns="91440" tIns="45720" rIns="91440" bIns="45720">
+            <a:spAutoFit/>
+          </a:bodyPr>
+          <a:lstStyle/>
+          <a:p>
+            <a:pPr algn="ctr"/>
+            <a:r>
+              <a:rPr lang="nl-NL" sz="1800" dirty="0">
+                <a:ln w="0"/>
+                <a:solidFill>
+                  <a:schemeClr val="tx1"/>
+                </a:solidFill>
+                <a:effectLst>
+                  <a:outerShdw blurRad="38100" dist="19050" dir="2700000" algn="tl" rotWithShape="0">
+                    <a:schemeClr val="dk1">
+                      <a:alpha val="40000"/>
+                    </a:schemeClr>
+                  </a:outerShdw>
+                </a:effectLst>
+              </a:rPr>
+              <a:t>3</a:t>
+            </a:r>
+            <a:endParaRPr lang="nl-NL" sz="1800" b="0" cap="none" spc="0" dirty="0">
+              <a:ln w="0"/>
+              <a:solidFill>
+                <a:schemeClr val="tx1"/>
+              </a:solidFill>
+              <a:effectLst>
+                <a:outerShdw blurRad="38100" dist="19050" dir="2700000" algn="tl" rotWithShape="0">
+                  <a:schemeClr val="dk1">
+                    <a:alpha val="40000"/>
+                  </a:schemeClr>
+                </a:outerShdw>
+              </a:effectLst>
+            </a:endParaRPr>
           </a:p>
         </p:txBody>
       </p:sp>
@@ -18922,6 +19393,67 @@
           </a:extLst>
         </p:spPr>
       </p:pic>
+      <p:sp>
+        <p:nvSpPr>
+          <p:cNvPr id="3" name="Rechthoek 2">
+            <a:extLst>
+              <a:ext uri="{FF2B5EF4-FFF2-40B4-BE49-F238E27FC236}">
+                <a16:creationId xmlns:a16="http://schemas.microsoft.com/office/drawing/2014/main" id="{86D419DA-6014-0110-48D3-C143A48853F2}"/>
+              </a:ext>
+            </a:extLst>
+          </p:cNvPr>
+          <p:cNvSpPr/>
+          <p:nvPr/>
+        </p:nvSpPr>
+        <p:spPr>
+          <a:xfrm>
+            <a:off x="17629310" y="9627980"/>
+            <a:ext cx="312907" cy="369332"/>
+          </a:xfrm>
+          <a:prstGeom prst="rect">
+            <a:avLst/>
+          </a:prstGeom>
+          <a:noFill/>
+        </p:spPr>
+        <p:txBody>
+          <a:bodyPr wrap="none" lIns="91440" tIns="45720" rIns="91440" bIns="45720">
+            <a:spAutoFit/>
+          </a:bodyPr>
+          <a:lstStyle/>
+          <a:p>
+            <a:pPr algn="ctr"/>
+            <a:r>
+              <a:rPr lang="nl-NL" sz="1800" dirty="0">
+                <a:ln w="0"/>
+                <a:solidFill>
+                  <a:schemeClr val="tx1"/>
+                </a:solidFill>
+                <a:effectLst>
+                  <a:outerShdw blurRad="38100" dist="19050" dir="2700000" algn="tl" rotWithShape="0">
+                    <a:schemeClr val="dk1">
+                      <a:alpha val="40000"/>
+                    </a:schemeClr>
+                  </a:outerShdw>
+                </a:effectLst>
+              </a:rPr>
+              <a:t>4</a:t>
+            </a:r>
+            <a:endParaRPr lang="nl-NL" sz="1800" b="0" cap="none" spc="0" dirty="0">
+              <a:ln w="0"/>
+              <a:solidFill>
+                <a:schemeClr val="tx1"/>
+              </a:solidFill>
+              <a:effectLst>
+                <a:outerShdw blurRad="38100" dist="19050" dir="2700000" algn="tl" rotWithShape="0">
+                  <a:schemeClr val="dk1">
+                    <a:alpha val="40000"/>
+                  </a:schemeClr>
+                </a:outerShdw>
+              </a:effectLst>
+            </a:endParaRPr>
+          </a:p>
+        </p:txBody>
+      </p:sp>
     </p:spTree>
   </p:cSld>
   <p:clrMapOvr>
@@ -20482,6 +21014,67 @@
               <a:buNone/>
             </a:pPr>
             <a:endParaRPr/>
+          </a:p>
+        </p:txBody>
+      </p:sp>
+      <p:sp>
+        <p:nvSpPr>
+          <p:cNvPr id="2" name="Rechthoek 1">
+            <a:extLst>
+              <a:ext uri="{FF2B5EF4-FFF2-40B4-BE49-F238E27FC236}">
+                <a16:creationId xmlns:a16="http://schemas.microsoft.com/office/drawing/2014/main" id="{712DB7EC-3151-30D2-92DB-86B257C03E4D}"/>
+              </a:ext>
+            </a:extLst>
+          </p:cNvPr>
+          <p:cNvSpPr/>
+          <p:nvPr/>
+        </p:nvSpPr>
+        <p:spPr>
+          <a:xfrm>
+            <a:off x="17629310" y="9627980"/>
+            <a:ext cx="312907" cy="369332"/>
+          </a:xfrm>
+          <a:prstGeom prst="rect">
+            <a:avLst/>
+          </a:prstGeom>
+          <a:noFill/>
+        </p:spPr>
+        <p:txBody>
+          <a:bodyPr wrap="none" lIns="91440" tIns="45720" rIns="91440" bIns="45720">
+            <a:spAutoFit/>
+          </a:bodyPr>
+          <a:lstStyle/>
+          <a:p>
+            <a:pPr algn="ctr"/>
+            <a:r>
+              <a:rPr lang="nl-NL" sz="1800" dirty="0">
+                <a:ln w="0"/>
+                <a:solidFill>
+                  <a:schemeClr val="tx1"/>
+                </a:solidFill>
+                <a:effectLst>
+                  <a:outerShdw blurRad="38100" dist="19050" dir="2700000" algn="tl" rotWithShape="0">
+                    <a:schemeClr val="dk1">
+                      <a:alpha val="40000"/>
+                    </a:schemeClr>
+                  </a:outerShdw>
+                </a:effectLst>
+              </a:rPr>
+              <a:t>5</a:t>
+            </a:r>
+            <a:endParaRPr lang="nl-NL" sz="1800" b="0" cap="none" spc="0" dirty="0">
+              <a:ln w="0"/>
+              <a:solidFill>
+                <a:schemeClr val="tx1"/>
+              </a:solidFill>
+              <a:effectLst>
+                <a:outerShdw blurRad="38100" dist="19050" dir="2700000" algn="tl" rotWithShape="0">
+                  <a:schemeClr val="dk1">
+                    <a:alpha val="40000"/>
+                  </a:schemeClr>
+                </a:outerShdw>
+              </a:effectLst>
+            </a:endParaRPr>
           </a:p>
         </p:txBody>
       </p:sp>
@@ -21932,6 +22525,67 @@
           </a:effectLst>
         </p:spPr>
       </p:pic>
+      <p:sp>
+        <p:nvSpPr>
+          <p:cNvPr id="2" name="Rechthoek 1">
+            <a:extLst>
+              <a:ext uri="{FF2B5EF4-FFF2-40B4-BE49-F238E27FC236}">
+                <a16:creationId xmlns:a16="http://schemas.microsoft.com/office/drawing/2014/main" id="{0E6C3196-DAD0-BDC2-14F0-37781FDEF88F}"/>
+              </a:ext>
+            </a:extLst>
+          </p:cNvPr>
+          <p:cNvSpPr/>
+          <p:nvPr/>
+        </p:nvSpPr>
+        <p:spPr>
+          <a:xfrm>
+            <a:off x="17629310" y="9627980"/>
+            <a:ext cx="312907" cy="369332"/>
+          </a:xfrm>
+          <a:prstGeom prst="rect">
+            <a:avLst/>
+          </a:prstGeom>
+          <a:noFill/>
+        </p:spPr>
+        <p:txBody>
+          <a:bodyPr wrap="none" lIns="91440" tIns="45720" rIns="91440" bIns="45720">
+            <a:spAutoFit/>
+          </a:bodyPr>
+          <a:lstStyle/>
+          <a:p>
+            <a:pPr algn="ctr"/>
+            <a:r>
+              <a:rPr lang="nl-NL" sz="1800" dirty="0">
+                <a:ln w="0"/>
+                <a:solidFill>
+                  <a:schemeClr val="tx1"/>
+                </a:solidFill>
+                <a:effectLst>
+                  <a:outerShdw blurRad="38100" dist="19050" dir="2700000" algn="tl" rotWithShape="0">
+                    <a:schemeClr val="dk1">
+                      <a:alpha val="40000"/>
+                    </a:schemeClr>
+                  </a:outerShdw>
+                </a:effectLst>
+              </a:rPr>
+              <a:t>6</a:t>
+            </a:r>
+            <a:endParaRPr lang="nl-NL" sz="1800" b="0" cap="none" spc="0" dirty="0">
+              <a:ln w="0"/>
+              <a:solidFill>
+                <a:schemeClr val="tx1"/>
+              </a:solidFill>
+              <a:effectLst>
+                <a:outerShdw blurRad="38100" dist="19050" dir="2700000" algn="tl" rotWithShape="0">
+                  <a:schemeClr val="dk1">
+                    <a:alpha val="40000"/>
+                  </a:schemeClr>
+                </a:outerShdw>
+              </a:effectLst>
+            </a:endParaRPr>
+          </a:p>
+        </p:txBody>
+      </p:sp>
     </p:spTree>
     <p:extLst>
       <p:ext uri="{BB962C8B-B14F-4D97-AF65-F5344CB8AC3E}">
@@ -24382,6 +25036,67 @@
           </a:p>
         </p:txBody>
       </p:sp>
+      <p:sp>
+        <p:nvSpPr>
+          <p:cNvPr id="13" name="Rechthoek 12">
+            <a:extLst>
+              <a:ext uri="{FF2B5EF4-FFF2-40B4-BE49-F238E27FC236}">
+                <a16:creationId xmlns:a16="http://schemas.microsoft.com/office/drawing/2014/main" id="{111417FD-A4A4-A65C-8318-55790C2CB24F}"/>
+              </a:ext>
+            </a:extLst>
+          </p:cNvPr>
+          <p:cNvSpPr/>
+          <p:nvPr/>
+        </p:nvSpPr>
+        <p:spPr>
+          <a:xfrm>
+            <a:off x="17629310" y="9627980"/>
+            <a:ext cx="312907" cy="369332"/>
+          </a:xfrm>
+          <a:prstGeom prst="rect">
+            <a:avLst/>
+          </a:prstGeom>
+          <a:noFill/>
+        </p:spPr>
+        <p:txBody>
+          <a:bodyPr wrap="none" lIns="91440" tIns="45720" rIns="91440" bIns="45720">
+            <a:spAutoFit/>
+          </a:bodyPr>
+          <a:lstStyle/>
+          <a:p>
+            <a:pPr algn="ctr"/>
+            <a:r>
+              <a:rPr lang="nl-NL" sz="1800" dirty="0">
+                <a:ln w="0"/>
+                <a:solidFill>
+                  <a:schemeClr val="tx1"/>
+                </a:solidFill>
+                <a:effectLst>
+                  <a:outerShdw blurRad="38100" dist="19050" dir="2700000" algn="tl" rotWithShape="0">
+                    <a:schemeClr val="dk1">
+                      <a:alpha val="40000"/>
+                    </a:schemeClr>
+                  </a:outerShdw>
+                </a:effectLst>
+              </a:rPr>
+              <a:t>7</a:t>
+            </a:r>
+            <a:endParaRPr lang="nl-NL" sz="1800" b="0" cap="none" spc="0" dirty="0">
+              <a:ln w="0"/>
+              <a:solidFill>
+                <a:schemeClr val="tx1"/>
+              </a:solidFill>
+              <a:effectLst>
+                <a:outerShdw blurRad="38100" dist="19050" dir="2700000" algn="tl" rotWithShape="0">
+                  <a:schemeClr val="dk1">
+                    <a:alpha val="40000"/>
+                  </a:schemeClr>
+                </a:outerShdw>
+              </a:effectLst>
+            </a:endParaRPr>
+          </a:p>
+        </p:txBody>
+      </p:sp>
     </p:spTree>
   </p:cSld>
   <p:clrMapOvr>
@@ -26126,6 +26841,67 @@
           </a:prstGeom>
         </p:spPr>
       </p:pic>
+      <p:sp>
+        <p:nvSpPr>
+          <p:cNvPr id="2" name="Rechthoek 1">
+            <a:extLst>
+              <a:ext uri="{FF2B5EF4-FFF2-40B4-BE49-F238E27FC236}">
+                <a16:creationId xmlns:a16="http://schemas.microsoft.com/office/drawing/2014/main" id="{E09098DF-87E5-D023-54A5-4B1BA609F9E3}"/>
+              </a:ext>
+            </a:extLst>
+          </p:cNvPr>
+          <p:cNvSpPr/>
+          <p:nvPr/>
+        </p:nvSpPr>
+        <p:spPr>
+          <a:xfrm>
+            <a:off x="17629310" y="9627980"/>
+            <a:ext cx="312907" cy="369332"/>
+          </a:xfrm>
+          <a:prstGeom prst="rect">
+            <a:avLst/>
+          </a:prstGeom>
+          <a:noFill/>
+        </p:spPr>
+        <p:txBody>
+          <a:bodyPr wrap="none" lIns="91440" tIns="45720" rIns="91440" bIns="45720">
+            <a:spAutoFit/>
+          </a:bodyPr>
+          <a:lstStyle/>
+          <a:p>
+            <a:pPr algn="ctr"/>
+            <a:r>
+              <a:rPr lang="nl-NL" sz="1800" dirty="0">
+                <a:ln w="0"/>
+                <a:solidFill>
+                  <a:schemeClr val="tx1"/>
+                </a:solidFill>
+                <a:effectLst>
+                  <a:outerShdw blurRad="38100" dist="19050" dir="2700000" algn="tl" rotWithShape="0">
+                    <a:schemeClr val="dk1">
+                      <a:alpha val="40000"/>
+                    </a:schemeClr>
+                  </a:outerShdw>
+                </a:effectLst>
+              </a:rPr>
+              <a:t>8</a:t>
+            </a:r>
+            <a:endParaRPr lang="nl-NL" sz="1800" b="0" cap="none" spc="0" dirty="0">
+              <a:ln w="0"/>
+              <a:solidFill>
+                <a:schemeClr val="tx1"/>
+              </a:solidFill>
+              <a:effectLst>
+                <a:outerShdw blurRad="38100" dist="19050" dir="2700000" algn="tl" rotWithShape="0">
+                  <a:schemeClr val="dk1">
+                    <a:alpha val="40000"/>
+                  </a:schemeClr>
+                </a:outerShdw>
+              </a:effectLst>
+            </a:endParaRPr>
+          </a:p>
+        </p:txBody>
+      </p:sp>
     </p:spTree>
   </p:cSld>
   <p:clrMapOvr>
@@ -27324,6 +28100,67 @@
           </p:txBody>
         </p:sp>
       </p:grpSp>
+      <p:sp>
+        <p:nvSpPr>
+          <p:cNvPr id="2" name="Rechthoek 1">
+            <a:extLst>
+              <a:ext uri="{FF2B5EF4-FFF2-40B4-BE49-F238E27FC236}">
+                <a16:creationId xmlns:a16="http://schemas.microsoft.com/office/drawing/2014/main" id="{391C3A03-31F7-872E-331B-A768122F2337}"/>
+              </a:ext>
+            </a:extLst>
+          </p:cNvPr>
+          <p:cNvSpPr/>
+          <p:nvPr/>
+        </p:nvSpPr>
+        <p:spPr>
+          <a:xfrm>
+            <a:off x="17629310" y="9627980"/>
+            <a:ext cx="312907" cy="369332"/>
+          </a:xfrm>
+          <a:prstGeom prst="rect">
+            <a:avLst/>
+          </a:prstGeom>
+          <a:noFill/>
+        </p:spPr>
+        <p:txBody>
+          <a:bodyPr wrap="none" lIns="91440" tIns="45720" rIns="91440" bIns="45720">
+            <a:spAutoFit/>
+          </a:bodyPr>
+          <a:lstStyle/>
+          <a:p>
+            <a:pPr algn="ctr"/>
+            <a:r>
+              <a:rPr lang="nl-NL" sz="1800" dirty="0">
+                <a:ln w="0"/>
+                <a:solidFill>
+                  <a:schemeClr val="tx1"/>
+                </a:solidFill>
+                <a:effectLst>
+                  <a:outerShdw blurRad="38100" dist="19050" dir="2700000" algn="tl" rotWithShape="0">
+                    <a:schemeClr val="dk1">
+                      <a:alpha val="40000"/>
+                    </a:schemeClr>
+                  </a:outerShdw>
+                </a:effectLst>
+              </a:rPr>
+              <a:t>9</a:t>
+            </a:r>
+            <a:endParaRPr lang="nl-NL" sz="1800" b="0" cap="none" spc="0" dirty="0">
+              <a:ln w="0"/>
+              <a:solidFill>
+                <a:schemeClr val="tx1"/>
+              </a:solidFill>
+              <a:effectLst>
+                <a:outerShdw blurRad="38100" dist="19050" dir="2700000" algn="tl" rotWithShape="0">
+                  <a:schemeClr val="dk1">
+                    <a:alpha val="40000"/>
+                  </a:schemeClr>
+                </a:outerShdw>
+              </a:effectLst>
+            </a:endParaRPr>
+          </a:p>
+        </p:txBody>
+      </p:sp>
     </p:spTree>
     <p:extLst>
       <p:ext uri="{BB962C8B-B14F-4D97-AF65-F5344CB8AC3E}">
